--- a/Roy-Floyd grafic/Reprezentare grafica a algoritmului roy-floyd.pptx
+++ b/Roy-Floyd grafic/Reprezentare grafica a algoritmului roy-floyd.pptx
@@ -180,7 +180,7 @@
           <a:noFill/>
           <a:extLst>
             <a:ext uri="{909E8E84-426E-40dd-AFC4-6F175D3DCCD1}">
-              <a14:hiddenFill xmlns="" xmlns:a14="http://schemas.microsoft.com/office/drawing/2010/main">
+              <a14:hiddenFill xmlns:a14="http://schemas.microsoft.com/office/drawing/2010/main" xmlns="">
                 <a:solidFill>
                   <a:srgbClr val="FFFFFF"/>
                 </a:solidFill>
@@ -240,7 +240,7 @@
             </a:ln>
             <a:extLst>
               <a:ext uri="{91240B29-F687-4f45-9708-019B960494DF}">
-                <a14:hiddenLine xmlns="" xmlns:a14="http://schemas.microsoft.com/office/drawing/2010/main" w="9525">
+                <a14:hiddenLine xmlns:a14="http://schemas.microsoft.com/office/drawing/2010/main" xmlns="" w="9525">
                   <a:solidFill>
                     <a:srgbClr val="000000"/>
                   </a:solidFill>
@@ -330,7 +330,7 @@
             </a:ln>
             <a:extLst>
               <a:ext uri="{91240B29-F687-4f45-9708-019B960494DF}">
-                <a14:hiddenLine xmlns="" xmlns:a14="http://schemas.microsoft.com/office/drawing/2010/main" w="9525">
+                <a14:hiddenLine xmlns:a14="http://schemas.microsoft.com/office/drawing/2010/main" xmlns="" w="9525">
                   <a:solidFill>
                     <a:srgbClr val="000000"/>
                   </a:solidFill>
@@ -420,7 +420,7 @@
             </a:ln>
             <a:extLst>
               <a:ext uri="{91240B29-F687-4f45-9708-019B960494DF}">
-                <a14:hiddenLine xmlns="" xmlns:a14="http://schemas.microsoft.com/office/drawing/2010/main" w="9525">
+                <a14:hiddenLine xmlns:a14="http://schemas.microsoft.com/office/drawing/2010/main" xmlns="" w="9525">
                   <a:solidFill>
                     <a:srgbClr val="000000"/>
                   </a:solidFill>
@@ -454,7 +454,7 @@
             </a:ln>
             <a:extLst>
               <a:ext uri="{91240B29-F687-4f45-9708-019B960494DF}">
-                <a14:hiddenLine xmlns="" xmlns:a14="http://schemas.microsoft.com/office/drawing/2010/main" w="9525">
+                <a14:hiddenLine xmlns:a14="http://schemas.microsoft.com/office/drawing/2010/main" xmlns="" w="9525">
                   <a:solidFill>
                     <a:srgbClr val="000000"/>
                   </a:solidFill>
@@ -544,7 +544,7 @@
             </a:ln>
             <a:extLst>
               <a:ext uri="{91240B29-F687-4f45-9708-019B960494DF}">
-                <a14:hiddenLine xmlns="" xmlns:a14="http://schemas.microsoft.com/office/drawing/2010/main" w="9525">
+                <a14:hiddenLine xmlns:a14="http://schemas.microsoft.com/office/drawing/2010/main" xmlns="" w="9525">
                   <a:solidFill>
                     <a:srgbClr val="000000"/>
                   </a:solidFill>
@@ -606,7 +606,7 @@
             </a:ln>
             <a:extLst>
               <a:ext uri="{91240B29-F687-4f45-9708-019B960494DF}">
-                <a14:hiddenLine xmlns="" xmlns:a14="http://schemas.microsoft.com/office/drawing/2010/main" w="9525">
+                <a14:hiddenLine xmlns:a14="http://schemas.microsoft.com/office/drawing/2010/main" xmlns="" w="9525">
                   <a:solidFill>
                     <a:srgbClr val="000000"/>
                   </a:solidFill>
@@ -668,7 +668,7 @@
             </a:ln>
             <a:extLst>
               <a:ext uri="{91240B29-F687-4f45-9708-019B960494DF}">
-                <a14:hiddenLine xmlns="" xmlns:a14="http://schemas.microsoft.com/office/drawing/2010/main" w="9525">
+                <a14:hiddenLine xmlns:a14="http://schemas.microsoft.com/office/drawing/2010/main" xmlns="" w="9525">
                   <a:solidFill>
                     <a:srgbClr val="000000"/>
                   </a:solidFill>
@@ -758,7 +758,7 @@
             </a:ln>
             <a:extLst>
               <a:ext uri="{91240B29-F687-4f45-9708-019B960494DF}">
-                <a14:hiddenLine xmlns="" xmlns:a14="http://schemas.microsoft.com/office/drawing/2010/main" w="9525">
+                <a14:hiddenLine xmlns:a14="http://schemas.microsoft.com/office/drawing/2010/main" xmlns="" w="9525">
                   <a:solidFill>
                     <a:srgbClr val="000000"/>
                   </a:solidFill>
@@ -820,7 +820,7 @@
             </a:ln>
             <a:extLst>
               <a:ext uri="{91240B29-F687-4f45-9708-019B960494DF}">
-                <a14:hiddenLine xmlns="" xmlns:a14="http://schemas.microsoft.com/office/drawing/2010/main" w="9525">
+                <a14:hiddenLine xmlns:a14="http://schemas.microsoft.com/office/drawing/2010/main" xmlns="" w="9525">
                   <a:solidFill>
                     <a:srgbClr val="000000"/>
                   </a:solidFill>
@@ -882,7 +882,7 @@
             </a:ln>
             <a:extLst>
               <a:ext uri="{91240B29-F687-4f45-9708-019B960494DF}">
-                <a14:hiddenLine xmlns="" xmlns:a14="http://schemas.microsoft.com/office/drawing/2010/main" w="9525">
+                <a14:hiddenLine xmlns:a14="http://schemas.microsoft.com/office/drawing/2010/main" xmlns="" w="9525">
                   <a:solidFill>
                     <a:srgbClr val="000000"/>
                   </a:solidFill>
@@ -972,7 +972,7 @@
             </a:ln>
             <a:extLst>
               <a:ext uri="{91240B29-F687-4f45-9708-019B960494DF}">
-                <a14:hiddenLine xmlns="" xmlns:a14="http://schemas.microsoft.com/office/drawing/2010/main" w="9525">
+                <a14:hiddenLine xmlns:a14="http://schemas.microsoft.com/office/drawing/2010/main" xmlns="" w="9525">
                   <a:solidFill>
                     <a:srgbClr val="000000"/>
                   </a:solidFill>
@@ -1062,7 +1062,7 @@
             </a:ln>
             <a:extLst>
               <a:ext uri="{91240B29-F687-4f45-9708-019B960494DF}">
-                <a14:hiddenLine xmlns="" xmlns:a14="http://schemas.microsoft.com/office/drawing/2010/main" w="9525">
+                <a14:hiddenLine xmlns:a14="http://schemas.microsoft.com/office/drawing/2010/main" xmlns="" w="9525">
                   <a:solidFill>
                     <a:srgbClr val="000000"/>
                   </a:solidFill>
@@ -1124,7 +1124,7 @@
             </a:ln>
             <a:extLst>
               <a:ext uri="{91240B29-F687-4f45-9708-019B960494DF}">
-                <a14:hiddenLine xmlns="" xmlns:a14="http://schemas.microsoft.com/office/drawing/2010/main" w="9525">
+                <a14:hiddenLine xmlns:a14="http://schemas.microsoft.com/office/drawing/2010/main" xmlns="" w="9525">
                   <a:solidFill>
                     <a:srgbClr val="000000"/>
                   </a:solidFill>
@@ -1234,7 +1234,7 @@
             </a:ln>
             <a:extLst>
               <a:ext uri="{91240B29-F687-4f45-9708-019B960494DF}">
-                <a14:hiddenLine xmlns="" xmlns:a14="http://schemas.microsoft.com/office/drawing/2010/main" w="9525">
+                <a14:hiddenLine xmlns:a14="http://schemas.microsoft.com/office/drawing/2010/main" xmlns="" w="9525">
                   <a:solidFill>
                     <a:srgbClr val="000000"/>
                   </a:solidFill>
@@ -1296,7 +1296,7 @@
             </a:ln>
             <a:extLst>
               <a:ext uri="{91240B29-F687-4f45-9708-019B960494DF}">
-                <a14:hiddenLine xmlns="" xmlns:a14="http://schemas.microsoft.com/office/drawing/2010/main" w="9525">
+                <a14:hiddenLine xmlns:a14="http://schemas.microsoft.com/office/drawing/2010/main" xmlns="" w="9525">
                   <a:solidFill>
                     <a:srgbClr val="000000"/>
                   </a:solidFill>
@@ -1386,7 +1386,7 @@
             </a:ln>
             <a:extLst>
               <a:ext uri="{91240B29-F687-4f45-9708-019B960494DF}">
-                <a14:hiddenLine xmlns="" xmlns:a14="http://schemas.microsoft.com/office/drawing/2010/main" w="9525">
+                <a14:hiddenLine xmlns:a14="http://schemas.microsoft.com/office/drawing/2010/main" xmlns="" w="9525">
                   <a:solidFill>
                     <a:srgbClr val="000000"/>
                   </a:solidFill>
@@ -1476,7 +1476,7 @@
             </a:ln>
             <a:extLst>
               <a:ext uri="{91240B29-F687-4f45-9708-019B960494DF}">
-                <a14:hiddenLine xmlns="" xmlns:a14="http://schemas.microsoft.com/office/drawing/2010/main" w="9525">
+                <a14:hiddenLine xmlns:a14="http://schemas.microsoft.com/office/drawing/2010/main" xmlns="" w="9525">
                   <a:solidFill>
                     <a:srgbClr val="000000"/>
                   </a:solidFill>
@@ -1538,7 +1538,7 @@
             </a:ln>
             <a:extLst>
               <a:ext uri="{91240B29-F687-4f45-9708-019B960494DF}">
-                <a14:hiddenLine xmlns="" xmlns:a14="http://schemas.microsoft.com/office/drawing/2010/main" w="9525">
+                <a14:hiddenLine xmlns:a14="http://schemas.microsoft.com/office/drawing/2010/main" xmlns="" w="9525">
                   <a:solidFill>
                     <a:srgbClr val="000000"/>
                   </a:solidFill>
@@ -1628,7 +1628,7 @@
             </a:ln>
             <a:extLst>
               <a:ext uri="{91240B29-F687-4f45-9708-019B960494DF}">
-                <a14:hiddenLine xmlns="" xmlns:a14="http://schemas.microsoft.com/office/drawing/2010/main" w="9525">
+                <a14:hiddenLine xmlns:a14="http://schemas.microsoft.com/office/drawing/2010/main" xmlns="" w="9525">
                   <a:solidFill>
                     <a:srgbClr val="000000"/>
                   </a:solidFill>
@@ -1718,7 +1718,7 @@
             </a:ln>
             <a:extLst>
               <a:ext uri="{91240B29-F687-4f45-9708-019B960494DF}">
-                <a14:hiddenLine xmlns="" xmlns:a14="http://schemas.microsoft.com/office/drawing/2010/main" w="9525">
+                <a14:hiddenLine xmlns:a14="http://schemas.microsoft.com/office/drawing/2010/main" xmlns="" w="9525">
                   <a:solidFill>
                     <a:srgbClr val="000000"/>
                   </a:solidFill>
@@ -1774,7 +1774,7 @@
             </a:ln>
             <a:extLst>
               <a:ext uri="{91240B29-F687-4f45-9708-019B960494DF}">
-                <a14:hiddenLine xmlns="" xmlns:a14="http://schemas.microsoft.com/office/drawing/2010/main" w="9525">
+                <a14:hiddenLine xmlns:a14="http://schemas.microsoft.com/office/drawing/2010/main" xmlns="" w="9525">
                   <a:solidFill>
                     <a:srgbClr val="000000"/>
                   </a:solidFill>
@@ -1864,7 +1864,7 @@
             </a:ln>
             <a:extLst>
               <a:ext uri="{91240B29-F687-4f45-9708-019B960494DF}">
-                <a14:hiddenLine xmlns="" xmlns:a14="http://schemas.microsoft.com/office/drawing/2010/main" w="9525">
+                <a14:hiddenLine xmlns:a14="http://schemas.microsoft.com/office/drawing/2010/main" xmlns="" w="9525">
                   <a:solidFill>
                     <a:srgbClr val="000000"/>
                   </a:solidFill>
@@ -1920,7 +1920,7 @@
             </a:ln>
             <a:extLst>
               <a:ext uri="{91240B29-F687-4f45-9708-019B960494DF}">
-                <a14:hiddenLine xmlns="" xmlns:a14="http://schemas.microsoft.com/office/drawing/2010/main" w="9525">
+                <a14:hiddenLine xmlns:a14="http://schemas.microsoft.com/office/drawing/2010/main" xmlns="" w="9525">
                   <a:solidFill>
                     <a:srgbClr val="000000"/>
                   </a:solidFill>
@@ -2010,7 +2010,7 @@
             </a:ln>
             <a:extLst>
               <a:ext uri="{91240B29-F687-4f45-9708-019B960494DF}">
-                <a14:hiddenLine xmlns="" xmlns:a14="http://schemas.microsoft.com/office/drawing/2010/main" w="9525">
+                <a14:hiddenLine xmlns:a14="http://schemas.microsoft.com/office/drawing/2010/main" xmlns="" w="9525">
                   <a:solidFill>
                     <a:srgbClr val="000000"/>
                   </a:solidFill>
@@ -2078,7 +2078,7 @@
             </a:ln>
             <a:extLst>
               <a:ext uri="{91240B29-F687-4f45-9708-019B960494DF}">
-                <a14:hiddenLine xmlns="" xmlns:a14="http://schemas.microsoft.com/office/drawing/2010/main" w="9525">
+                <a14:hiddenLine xmlns:a14="http://schemas.microsoft.com/office/drawing/2010/main" xmlns="" w="9525">
                   <a:solidFill>
                     <a:srgbClr val="000000"/>
                   </a:solidFill>
@@ -2168,7 +2168,7 @@
             </a:ln>
             <a:extLst>
               <a:ext uri="{91240B29-F687-4f45-9708-019B960494DF}">
-                <a14:hiddenLine xmlns="" xmlns:a14="http://schemas.microsoft.com/office/drawing/2010/main" w="9525">
+                <a14:hiddenLine xmlns:a14="http://schemas.microsoft.com/office/drawing/2010/main" xmlns="" w="9525">
                   <a:solidFill>
                     <a:srgbClr val="000000"/>
                   </a:solidFill>
@@ -2236,7 +2236,7 @@
             </a:ln>
             <a:extLst>
               <a:ext uri="{91240B29-F687-4f45-9708-019B960494DF}">
-                <a14:hiddenLine xmlns="" xmlns:a14="http://schemas.microsoft.com/office/drawing/2010/main" w="9525">
+                <a14:hiddenLine xmlns:a14="http://schemas.microsoft.com/office/drawing/2010/main" xmlns="" w="9525">
                   <a:solidFill>
                     <a:srgbClr val="000000"/>
                   </a:solidFill>
@@ -2326,7 +2326,7 @@
             </a:ln>
             <a:extLst>
               <a:ext uri="{91240B29-F687-4f45-9708-019B960494DF}">
-                <a14:hiddenLine xmlns="" xmlns:a14="http://schemas.microsoft.com/office/drawing/2010/main" w="9525">
+                <a14:hiddenLine xmlns:a14="http://schemas.microsoft.com/office/drawing/2010/main" xmlns="" w="9525">
                   <a:solidFill>
                     <a:srgbClr val="000000"/>
                   </a:solidFill>
@@ -2360,7 +2360,7 @@
             </a:ln>
             <a:extLst>
               <a:ext uri="{91240B29-F687-4f45-9708-019B960494DF}">
-                <a14:hiddenLine xmlns="" xmlns:a14="http://schemas.microsoft.com/office/drawing/2010/main" w="9525">
+                <a14:hiddenLine xmlns:a14="http://schemas.microsoft.com/office/drawing/2010/main" xmlns="" w="9525">
                   <a:solidFill>
                     <a:srgbClr val="000000"/>
                   </a:solidFill>
@@ -2450,7 +2450,7 @@
             </a:ln>
             <a:extLst>
               <a:ext uri="{91240B29-F687-4f45-9708-019B960494DF}">
-                <a14:hiddenLine xmlns="" xmlns:a14="http://schemas.microsoft.com/office/drawing/2010/main" w="9525">
+                <a14:hiddenLine xmlns:a14="http://schemas.microsoft.com/office/drawing/2010/main" xmlns="" w="9525">
                   <a:solidFill>
                     <a:srgbClr val="000000"/>
                   </a:solidFill>
@@ -2512,7 +2512,7 @@
             </a:ln>
             <a:extLst>
               <a:ext uri="{91240B29-F687-4f45-9708-019B960494DF}">
-                <a14:hiddenLine xmlns="" xmlns:a14="http://schemas.microsoft.com/office/drawing/2010/main" w="9525">
+                <a14:hiddenLine xmlns:a14="http://schemas.microsoft.com/office/drawing/2010/main" xmlns="" w="9525">
                   <a:solidFill>
                     <a:srgbClr val="000000"/>
                   </a:solidFill>
@@ -2574,7 +2574,7 @@
             </a:ln>
             <a:extLst>
               <a:ext uri="{91240B29-F687-4f45-9708-019B960494DF}">
-                <a14:hiddenLine xmlns="" xmlns:a14="http://schemas.microsoft.com/office/drawing/2010/main" w="9525">
+                <a14:hiddenLine xmlns:a14="http://schemas.microsoft.com/office/drawing/2010/main" xmlns="" w="9525">
                   <a:solidFill>
                     <a:srgbClr val="000000"/>
                   </a:solidFill>
@@ -2664,7 +2664,7 @@
             </a:ln>
             <a:extLst>
               <a:ext uri="{91240B29-F687-4f45-9708-019B960494DF}">
-                <a14:hiddenLine xmlns="" xmlns:a14="http://schemas.microsoft.com/office/drawing/2010/main" w="9525">
+                <a14:hiddenLine xmlns:a14="http://schemas.microsoft.com/office/drawing/2010/main" xmlns="" w="9525">
                   <a:solidFill>
                     <a:srgbClr val="000000"/>
                   </a:solidFill>
@@ -2732,7 +2732,7 @@
             </a:ln>
             <a:extLst>
               <a:ext uri="{91240B29-F687-4f45-9708-019B960494DF}">
-                <a14:hiddenLine xmlns="" xmlns:a14="http://schemas.microsoft.com/office/drawing/2010/main" w="9525">
+                <a14:hiddenLine xmlns:a14="http://schemas.microsoft.com/office/drawing/2010/main" xmlns="" w="9525">
                   <a:solidFill>
                     <a:srgbClr val="000000"/>
                   </a:solidFill>
@@ -2794,7 +2794,7 @@
             </a:ln>
             <a:extLst>
               <a:ext uri="{91240B29-F687-4f45-9708-019B960494DF}">
-                <a14:hiddenLine xmlns="" xmlns:a14="http://schemas.microsoft.com/office/drawing/2010/main" w="9525">
+                <a14:hiddenLine xmlns:a14="http://schemas.microsoft.com/office/drawing/2010/main" xmlns="" w="9525">
                   <a:solidFill>
                     <a:srgbClr val="000000"/>
                   </a:solidFill>
@@ -2884,7 +2884,7 @@
             </a:ln>
             <a:extLst>
               <a:ext uri="{91240B29-F687-4f45-9708-019B960494DF}">
-                <a14:hiddenLine xmlns="" xmlns:a14="http://schemas.microsoft.com/office/drawing/2010/main" w="9525">
+                <a14:hiddenLine xmlns:a14="http://schemas.microsoft.com/office/drawing/2010/main" xmlns="" w="9525">
                   <a:solidFill>
                     <a:srgbClr val="000000"/>
                   </a:solidFill>
@@ -2946,7 +2946,7 @@
             </a:ln>
             <a:extLst>
               <a:ext uri="{91240B29-F687-4f45-9708-019B960494DF}">
-                <a14:hiddenLine xmlns="" xmlns:a14="http://schemas.microsoft.com/office/drawing/2010/main" w="9525">
+                <a14:hiddenLine xmlns:a14="http://schemas.microsoft.com/office/drawing/2010/main" xmlns="" w="9525">
                   <a:solidFill>
                     <a:srgbClr val="000000"/>
                   </a:solidFill>
@@ -3036,7 +3036,7 @@
             </a:ln>
             <a:extLst>
               <a:ext uri="{91240B29-F687-4f45-9708-019B960494DF}">
-                <a14:hiddenLine xmlns="" xmlns:a14="http://schemas.microsoft.com/office/drawing/2010/main" w="9525">
+                <a14:hiddenLine xmlns:a14="http://schemas.microsoft.com/office/drawing/2010/main" xmlns="" w="9525">
                   <a:solidFill>
                     <a:srgbClr val="000000"/>
                   </a:solidFill>
@@ -3098,7 +3098,7 @@
             </a:ln>
             <a:extLst>
               <a:ext uri="{91240B29-F687-4f45-9708-019B960494DF}">
-                <a14:hiddenLine xmlns="" xmlns:a14="http://schemas.microsoft.com/office/drawing/2010/main" w="9525">
+                <a14:hiddenLine xmlns:a14="http://schemas.microsoft.com/office/drawing/2010/main" xmlns="" w="9525">
                   <a:solidFill>
                     <a:srgbClr val="000000"/>
                   </a:solidFill>
@@ -3188,7 +3188,7 @@
             </a:ln>
             <a:extLst>
               <a:ext uri="{91240B29-F687-4f45-9708-019B960494DF}">
-                <a14:hiddenLine xmlns="" xmlns:a14="http://schemas.microsoft.com/office/drawing/2010/main" w="9525">
+                <a14:hiddenLine xmlns:a14="http://schemas.microsoft.com/office/drawing/2010/main" xmlns="" w="9525">
                   <a:solidFill>
                     <a:srgbClr val="000000"/>
                   </a:solidFill>
@@ -3222,7 +3222,7 @@
             </a:ln>
             <a:extLst>
               <a:ext uri="{91240B29-F687-4f45-9708-019B960494DF}">
-                <a14:hiddenLine xmlns="" xmlns:a14="http://schemas.microsoft.com/office/drawing/2010/main" w="9525">
+                <a14:hiddenLine xmlns:a14="http://schemas.microsoft.com/office/drawing/2010/main" xmlns="" w="9525">
                   <a:solidFill>
                     <a:srgbClr val="000000"/>
                   </a:solidFill>
@@ -3287,7 +3287,7 @@
             </a:ln>
             <a:extLst>
               <a:ext uri="{91240B29-F687-4f45-9708-019B960494DF}">
-                <a14:hiddenLine xmlns="" xmlns:a14="http://schemas.microsoft.com/office/drawing/2010/main" w="9525">
+                <a14:hiddenLine xmlns:a14="http://schemas.microsoft.com/office/drawing/2010/main" xmlns="" w="9525">
                   <a:solidFill>
                     <a:srgbClr val="000000"/>
                   </a:solidFill>
@@ -3377,7 +3377,7 @@
             </a:ln>
             <a:extLst>
               <a:ext uri="{91240B29-F687-4f45-9708-019B960494DF}">
-                <a14:hiddenLine xmlns="" xmlns:a14="http://schemas.microsoft.com/office/drawing/2010/main" w="9525">
+                <a14:hiddenLine xmlns:a14="http://schemas.microsoft.com/office/drawing/2010/main" xmlns="" w="9525">
                   <a:solidFill>
                     <a:srgbClr val="000000"/>
                   </a:solidFill>
@@ -3439,7 +3439,7 @@
             </a:ln>
             <a:extLst>
               <a:ext uri="{91240B29-F687-4f45-9708-019B960494DF}">
-                <a14:hiddenLine xmlns="" xmlns:a14="http://schemas.microsoft.com/office/drawing/2010/main" w="9525">
+                <a14:hiddenLine xmlns:a14="http://schemas.microsoft.com/office/drawing/2010/main" xmlns="" w="9525">
                   <a:solidFill>
                     <a:srgbClr val="000000"/>
                   </a:solidFill>
@@ -3529,7 +3529,7 @@
             </a:ln>
             <a:extLst>
               <a:ext uri="{91240B29-F687-4f45-9708-019B960494DF}">
-                <a14:hiddenLine xmlns="" xmlns:a14="http://schemas.microsoft.com/office/drawing/2010/main" w="9525">
+                <a14:hiddenLine xmlns:a14="http://schemas.microsoft.com/office/drawing/2010/main" xmlns="" w="9525">
                   <a:solidFill>
                     <a:srgbClr val="000000"/>
                   </a:solidFill>
@@ -3619,7 +3619,7 @@
             </a:ln>
             <a:extLst>
               <a:ext uri="{91240B29-F687-4f45-9708-019B960494DF}">
-                <a14:hiddenLine xmlns="" xmlns:a14="http://schemas.microsoft.com/office/drawing/2010/main" w="9525">
+                <a14:hiddenLine xmlns:a14="http://schemas.microsoft.com/office/drawing/2010/main" xmlns="" w="9525">
                   <a:solidFill>
                     <a:srgbClr val="000000"/>
                   </a:solidFill>
@@ -3684,7 +3684,7 @@
             </a:ln>
             <a:extLst>
               <a:ext uri="{91240B29-F687-4f45-9708-019B960494DF}">
-                <a14:hiddenLine xmlns="" xmlns:a14="http://schemas.microsoft.com/office/drawing/2010/main" w="9525">
+                <a14:hiddenLine xmlns:a14="http://schemas.microsoft.com/office/drawing/2010/main" xmlns="" w="9525">
                   <a:solidFill>
                     <a:srgbClr val="000000"/>
                   </a:solidFill>
@@ -3746,7 +3746,7 @@
             </a:ln>
             <a:extLst>
               <a:ext uri="{91240B29-F687-4f45-9708-019B960494DF}">
-                <a14:hiddenLine xmlns="" xmlns:a14="http://schemas.microsoft.com/office/drawing/2010/main" w="9525">
+                <a14:hiddenLine xmlns:a14="http://schemas.microsoft.com/office/drawing/2010/main" xmlns="" w="9525">
                   <a:solidFill>
                     <a:srgbClr val="000000"/>
                   </a:solidFill>
@@ -3836,7 +3836,7 @@
             </a:ln>
             <a:extLst>
               <a:ext uri="{91240B29-F687-4f45-9708-019B960494DF}">
-                <a14:hiddenLine xmlns="" xmlns:a14="http://schemas.microsoft.com/office/drawing/2010/main" w="9525">
+                <a14:hiddenLine xmlns:a14="http://schemas.microsoft.com/office/drawing/2010/main" xmlns="" w="9525">
                   <a:solidFill>
                     <a:srgbClr val="000000"/>
                   </a:solidFill>
@@ -3926,7 +3926,7 @@
             </a:ln>
             <a:extLst>
               <a:ext uri="{91240B29-F687-4f45-9708-019B960494DF}">
-                <a14:hiddenLine xmlns="" xmlns:a14="http://schemas.microsoft.com/office/drawing/2010/main" w="9525">
+                <a14:hiddenLine xmlns:a14="http://schemas.microsoft.com/office/drawing/2010/main" xmlns="" w="9525">
                   <a:solidFill>
                     <a:srgbClr val="000000"/>
                   </a:solidFill>
@@ -3988,7 +3988,7 @@
             </a:ln>
             <a:extLst>
               <a:ext uri="{91240B29-F687-4f45-9708-019B960494DF}">
-                <a14:hiddenLine xmlns="" xmlns:a14="http://schemas.microsoft.com/office/drawing/2010/main" w="9525">
+                <a14:hiddenLine xmlns:a14="http://schemas.microsoft.com/office/drawing/2010/main" xmlns="" w="9525">
                   <a:solidFill>
                     <a:srgbClr val="000000"/>
                   </a:solidFill>
@@ -4108,7 +4108,7 @@
             </a:ln>
             <a:extLst>
               <a:ext uri="{91240B29-F687-4f45-9708-019B960494DF}">
-                <a14:hiddenLine xmlns="" xmlns:a14="http://schemas.microsoft.com/office/drawing/2010/main" w="9525">
+                <a14:hiddenLine xmlns:a14="http://schemas.microsoft.com/office/drawing/2010/main" xmlns="" w="9525">
                   <a:solidFill>
                     <a:srgbClr val="000000"/>
                   </a:solidFill>
@@ -4176,7 +4176,7 @@
             </a:ln>
             <a:extLst>
               <a:ext uri="{91240B29-F687-4f45-9708-019B960494DF}">
-                <a14:hiddenLine xmlns="" xmlns:a14="http://schemas.microsoft.com/office/drawing/2010/main" w="9525">
+                <a14:hiddenLine xmlns:a14="http://schemas.microsoft.com/office/drawing/2010/main" xmlns="" w="9525">
                   <a:solidFill>
                     <a:srgbClr val="000000"/>
                   </a:solidFill>
@@ -4266,7 +4266,7 @@
             </a:ln>
             <a:extLst>
               <a:ext uri="{91240B29-F687-4f45-9708-019B960494DF}">
-                <a14:hiddenLine xmlns="" xmlns:a14="http://schemas.microsoft.com/office/drawing/2010/main" w="9525">
+                <a14:hiddenLine xmlns:a14="http://schemas.microsoft.com/office/drawing/2010/main" xmlns="" w="9525">
                   <a:solidFill>
                     <a:srgbClr val="000000"/>
                   </a:solidFill>
@@ -4406,7 +4406,7 @@
           <a:p>
             <a:fld id="{48A87A34-81AB-432B-8DAE-1953F412C126}" type="datetimeFigureOut">
               <a:rPr lang="en-US" dirty="0"/>
-              <a:t>05.05.2019</a:t>
+              <a:t>06.05.2019</a:t>
             </a:fld>
             <a:endParaRPr lang="en-US" dirty="0"/>
           </a:p>
@@ -4668,7 +4668,7 @@
           <a:p>
             <a:fld id="{48A87A34-81AB-432B-8DAE-1953F412C126}" type="datetimeFigureOut">
               <a:rPr lang="en-US" dirty="0"/>
-              <a:t>05.05.2019</a:t>
+              <a:t>06.05.2019</a:t>
             </a:fld>
             <a:endParaRPr lang="en-US" dirty="0"/>
           </a:p>
@@ -4859,7 +4859,7 @@
           <a:p>
             <a:fld id="{48A87A34-81AB-432B-8DAE-1953F412C126}" type="datetimeFigureOut">
               <a:rPr lang="en-US" dirty="0"/>
-              <a:t>05.05.2019</a:t>
+              <a:t>06.05.2019</a:t>
             </a:fld>
             <a:endParaRPr lang="en-US" dirty="0"/>
           </a:p>
@@ -5117,7 +5117,7 @@
           <a:p>
             <a:fld id="{48A87A34-81AB-432B-8DAE-1953F412C126}" type="datetimeFigureOut">
               <a:rPr lang="en-US" dirty="0"/>
-              <a:t>05.05.2019</a:t>
+              <a:t>06.05.2019</a:t>
             </a:fld>
             <a:endParaRPr lang="en-US" dirty="0"/>
           </a:p>
@@ -5546,7 +5546,7 @@
           <a:p>
             <a:fld id="{48A87A34-81AB-432B-8DAE-1953F412C126}" type="datetimeFigureOut">
               <a:rPr lang="en-US" dirty="0"/>
-              <a:t>05.05.2019</a:t>
+              <a:t>06.05.2019</a:t>
             </a:fld>
             <a:endParaRPr lang="en-US" dirty="0"/>
           </a:p>
@@ -6087,7 +6087,7 @@
           <a:p>
             <a:fld id="{48A87A34-81AB-432B-8DAE-1953F412C126}" type="datetimeFigureOut">
               <a:rPr lang="en-US" dirty="0"/>
-              <a:t>05.05.2019</a:t>
+              <a:t>06.05.2019</a:t>
             </a:fld>
             <a:endParaRPr lang="en-US" dirty="0"/>
           </a:p>
@@ -6802,7 +6802,7 @@
           <a:p>
             <a:fld id="{48A87A34-81AB-432B-8DAE-1953F412C126}" type="datetimeFigureOut">
               <a:rPr lang="en-US" dirty="0"/>
-              <a:t>05.05.2019</a:t>
+              <a:t>06.05.2019</a:t>
             </a:fld>
             <a:endParaRPr lang="en-US" dirty="0"/>
           </a:p>
@@ -6967,7 +6967,7 @@
           <a:p>
             <a:fld id="{48A87A34-81AB-432B-8DAE-1953F412C126}" type="datetimeFigureOut">
               <a:rPr lang="en-US" dirty="0"/>
-              <a:t>05.05.2019</a:t>
+              <a:t>06.05.2019</a:t>
             </a:fld>
             <a:endParaRPr lang="en-US" dirty="0"/>
           </a:p>
@@ -7142,7 +7142,7 @@
           <a:p>
             <a:fld id="{48A87A34-81AB-432B-8DAE-1953F412C126}" type="datetimeFigureOut">
               <a:rPr lang="en-US" dirty="0"/>
-              <a:t>05.05.2019</a:t>
+              <a:t>06.05.2019</a:t>
             </a:fld>
             <a:endParaRPr lang="en-US" dirty="0"/>
           </a:p>
@@ -7307,7 +7307,7 @@
           <a:p>
             <a:fld id="{48A87A34-81AB-432B-8DAE-1953F412C126}" type="datetimeFigureOut">
               <a:rPr lang="en-US" dirty="0"/>
-              <a:t>05.05.2019</a:t>
+              <a:t>06.05.2019</a:t>
             </a:fld>
             <a:endParaRPr lang="en-US" dirty="0"/>
           </a:p>
@@ -7552,7 +7552,7 @@
           <a:p>
             <a:fld id="{48A87A34-81AB-432B-8DAE-1953F412C126}" type="datetimeFigureOut">
               <a:rPr lang="en-US" dirty="0"/>
-              <a:t>05.05.2019</a:t>
+              <a:t>06.05.2019</a:t>
             </a:fld>
             <a:endParaRPr lang="en-US" dirty="0"/>
           </a:p>
@@ -7779,7 +7779,7 @@
           <a:p>
             <a:fld id="{48A87A34-81AB-432B-8DAE-1953F412C126}" type="datetimeFigureOut">
               <a:rPr lang="en-US" dirty="0"/>
-              <a:t>05.05.2019</a:t>
+              <a:t>06.05.2019</a:t>
             </a:fld>
             <a:endParaRPr lang="en-US" dirty="0"/>
           </a:p>
@@ -8155,7 +8155,7 @@
           <a:p>
             <a:fld id="{48A87A34-81AB-432B-8DAE-1953F412C126}" type="datetimeFigureOut">
               <a:rPr lang="en-US" dirty="0"/>
-              <a:t>05.05.2019</a:t>
+              <a:t>06.05.2019</a:t>
             </a:fld>
             <a:endParaRPr lang="en-US" dirty="0"/>
           </a:p>
@@ -8268,7 +8268,7 @@
           <a:p>
             <a:fld id="{48A87A34-81AB-432B-8DAE-1953F412C126}" type="datetimeFigureOut">
               <a:rPr lang="en-US" dirty="0"/>
-              <a:t>05.05.2019</a:t>
+              <a:t>06.05.2019</a:t>
             </a:fld>
             <a:endParaRPr lang="en-US" dirty="0"/>
           </a:p>
@@ -8358,7 +8358,7 @@
           <a:p>
             <a:fld id="{48A87A34-81AB-432B-8DAE-1953F412C126}" type="datetimeFigureOut">
               <a:rPr lang="en-US" dirty="0"/>
-              <a:t>05.05.2019</a:t>
+              <a:t>06.05.2019</a:t>
             </a:fld>
             <a:endParaRPr lang="en-US" dirty="0"/>
           </a:p>
@@ -8602,7 +8602,7 @@
           <a:p>
             <a:fld id="{48A87A34-81AB-432B-8DAE-1953F412C126}" type="datetimeFigureOut">
               <a:rPr lang="en-US" dirty="0"/>
-              <a:t>05.05.2019</a:t>
+              <a:t>06.05.2019</a:t>
             </a:fld>
             <a:endParaRPr lang="en-US" dirty="0"/>
           </a:p>
@@ -8877,7 +8877,7 @@
           <a:p>
             <a:fld id="{48A87A34-81AB-432B-8DAE-1953F412C126}" type="datetimeFigureOut">
               <a:rPr lang="en-US" dirty="0"/>
-              <a:t>05.05.2019</a:t>
+              <a:t>06.05.2019</a:t>
             </a:fld>
             <a:endParaRPr lang="en-US" dirty="0"/>
           </a:p>
@@ -8988,7 +8988,7 @@
           <a:noFill/>
           <a:extLst>
             <a:ext uri="{909E8E84-426E-40dd-AFC4-6F175D3DCCD1}">
-              <a14:hiddenFill xmlns="" xmlns:a14="http://schemas.microsoft.com/office/drawing/2010/main">
+              <a14:hiddenFill xmlns:a14="http://schemas.microsoft.com/office/drawing/2010/main" xmlns="">
                 <a:solidFill>
                   <a:srgbClr val="FFFFFF"/>
                 </a:solidFill>
@@ -9062,7 +9062,7 @@
               </a:ln>
               <a:extLst>
                 <a:ext uri="{91240B29-F687-4f45-9708-019B960494DF}">
-                  <a14:hiddenLine xmlns="" xmlns:a14="http://schemas.microsoft.com/office/drawing/2010/main" w="9525">
+                  <a14:hiddenLine xmlns:a14="http://schemas.microsoft.com/office/drawing/2010/main" xmlns="" w="9525">
                     <a:solidFill>
                       <a:srgbClr val="000000"/>
                     </a:solidFill>
@@ -9152,7 +9152,7 @@
               </a:ln>
               <a:extLst>
                 <a:ext uri="{91240B29-F687-4f45-9708-019B960494DF}">
-                  <a14:hiddenLine xmlns="" xmlns:a14="http://schemas.microsoft.com/office/drawing/2010/main" w="9525">
+                  <a14:hiddenLine xmlns:a14="http://schemas.microsoft.com/office/drawing/2010/main" xmlns="" w="9525">
                     <a:solidFill>
                       <a:srgbClr val="000000"/>
                     </a:solidFill>
@@ -9242,7 +9242,7 @@
               </a:ln>
               <a:extLst>
                 <a:ext uri="{91240B29-F687-4f45-9708-019B960494DF}">
-                  <a14:hiddenLine xmlns="" xmlns:a14="http://schemas.microsoft.com/office/drawing/2010/main" w="9525">
+                  <a14:hiddenLine xmlns:a14="http://schemas.microsoft.com/office/drawing/2010/main" xmlns="" w="9525">
                     <a:solidFill>
                       <a:srgbClr val="000000"/>
                     </a:solidFill>
@@ -9304,7 +9304,7 @@
               </a:ln>
               <a:extLst>
                 <a:ext uri="{91240B29-F687-4f45-9708-019B960494DF}">
-                  <a14:hiddenLine xmlns="" xmlns:a14="http://schemas.microsoft.com/office/drawing/2010/main" w="9525">
+                  <a14:hiddenLine xmlns:a14="http://schemas.microsoft.com/office/drawing/2010/main" xmlns="" w="9525">
                     <a:solidFill>
                       <a:srgbClr val="000000"/>
                     </a:solidFill>
@@ -9394,7 +9394,7 @@
               </a:ln>
               <a:extLst>
                 <a:ext uri="{91240B29-F687-4f45-9708-019B960494DF}">
-                  <a14:hiddenLine xmlns="" xmlns:a14="http://schemas.microsoft.com/office/drawing/2010/main" w="9525">
+                  <a14:hiddenLine xmlns:a14="http://schemas.microsoft.com/office/drawing/2010/main" xmlns="" w="9525">
                     <a:solidFill>
                       <a:srgbClr val="000000"/>
                     </a:solidFill>
@@ -9456,7 +9456,7 @@
               </a:ln>
               <a:extLst>
                 <a:ext uri="{91240B29-F687-4f45-9708-019B960494DF}">
-                  <a14:hiddenLine xmlns="" xmlns:a14="http://schemas.microsoft.com/office/drawing/2010/main" w="9525">
+                  <a14:hiddenLine xmlns:a14="http://schemas.microsoft.com/office/drawing/2010/main" xmlns="" w="9525">
                     <a:solidFill>
                       <a:srgbClr val="000000"/>
                     </a:solidFill>
@@ -9518,7 +9518,7 @@
               </a:ln>
               <a:extLst>
                 <a:ext uri="{91240B29-F687-4f45-9708-019B960494DF}">
-                  <a14:hiddenLine xmlns="" xmlns:a14="http://schemas.microsoft.com/office/drawing/2010/main" w="9525">
+                  <a14:hiddenLine xmlns:a14="http://schemas.microsoft.com/office/drawing/2010/main" xmlns="" w="9525">
                     <a:solidFill>
                       <a:srgbClr val="000000"/>
                     </a:solidFill>
@@ -9608,7 +9608,7 @@
               </a:ln>
               <a:extLst>
                 <a:ext uri="{91240B29-F687-4f45-9708-019B960494DF}">
-                  <a14:hiddenLine xmlns="" xmlns:a14="http://schemas.microsoft.com/office/drawing/2010/main" w="9525">
+                  <a14:hiddenLine xmlns:a14="http://schemas.microsoft.com/office/drawing/2010/main" xmlns="" w="9525">
                     <a:solidFill>
                       <a:srgbClr val="000000"/>
                     </a:solidFill>
@@ -9698,7 +9698,7 @@
               </a:ln>
               <a:extLst>
                 <a:ext uri="{91240B29-F687-4f45-9708-019B960494DF}">
-                  <a14:hiddenLine xmlns="" xmlns:a14="http://schemas.microsoft.com/office/drawing/2010/main" w="9525">
+                  <a14:hiddenLine xmlns:a14="http://schemas.microsoft.com/office/drawing/2010/main" xmlns="" w="9525">
                     <a:solidFill>
                       <a:srgbClr val="000000"/>
                     </a:solidFill>
@@ -9760,7 +9760,7 @@
               </a:ln>
               <a:extLst>
                 <a:ext uri="{91240B29-F687-4f45-9708-019B960494DF}">
-                  <a14:hiddenLine xmlns="" xmlns:a14="http://schemas.microsoft.com/office/drawing/2010/main" w="9525">
+                  <a14:hiddenLine xmlns:a14="http://schemas.microsoft.com/office/drawing/2010/main" xmlns="" w="9525">
                     <a:solidFill>
                       <a:srgbClr val="000000"/>
                     </a:solidFill>
@@ -9870,7 +9870,7 @@
               </a:ln>
               <a:extLst>
                 <a:ext uri="{91240B29-F687-4f45-9708-019B960494DF}">
-                  <a14:hiddenLine xmlns="" xmlns:a14="http://schemas.microsoft.com/office/drawing/2010/main" w="9525">
+                  <a14:hiddenLine xmlns:a14="http://schemas.microsoft.com/office/drawing/2010/main" xmlns="" w="9525">
                     <a:solidFill>
                       <a:srgbClr val="000000"/>
                     </a:solidFill>
@@ -9954,7 +9954,7 @@
               </a:ln>
               <a:extLst>
                 <a:ext uri="{91240B29-F687-4f45-9708-019B960494DF}">
-                  <a14:hiddenLine xmlns="" xmlns:a14="http://schemas.microsoft.com/office/drawing/2010/main" w="9525">
+                  <a14:hiddenLine xmlns:a14="http://schemas.microsoft.com/office/drawing/2010/main" xmlns="" w="9525">
                     <a:solidFill>
                       <a:srgbClr val="000000"/>
                     </a:solidFill>
@@ -10016,7 +10016,7 @@
               </a:ln>
               <a:extLst>
                 <a:ext uri="{91240B29-F687-4f45-9708-019B960494DF}">
-                  <a14:hiddenLine xmlns="" xmlns:a14="http://schemas.microsoft.com/office/drawing/2010/main" w="9525">
+                  <a14:hiddenLine xmlns:a14="http://schemas.microsoft.com/office/drawing/2010/main" xmlns="" w="9525">
                     <a:solidFill>
                       <a:srgbClr val="000000"/>
                     </a:solidFill>
@@ -10078,7 +10078,7 @@
               </a:ln>
               <a:extLst>
                 <a:ext uri="{91240B29-F687-4f45-9708-019B960494DF}">
-                  <a14:hiddenLine xmlns="" xmlns:a14="http://schemas.microsoft.com/office/drawing/2010/main" w="9525">
+                  <a14:hiddenLine xmlns:a14="http://schemas.microsoft.com/office/drawing/2010/main" xmlns="" w="9525">
                     <a:solidFill>
                       <a:srgbClr val="000000"/>
                     </a:solidFill>
@@ -10168,7 +10168,7 @@
               </a:ln>
               <a:extLst>
                 <a:ext uri="{91240B29-F687-4f45-9708-019B960494DF}">
-                  <a14:hiddenLine xmlns="" xmlns:a14="http://schemas.microsoft.com/office/drawing/2010/main" w="9525">
+                  <a14:hiddenLine xmlns:a14="http://schemas.microsoft.com/office/drawing/2010/main" xmlns="" w="9525">
                     <a:solidFill>
                       <a:srgbClr val="000000"/>
                     </a:solidFill>
@@ -10202,7 +10202,7 @@
               </a:ln>
               <a:extLst>
                 <a:ext uri="{91240B29-F687-4f45-9708-019B960494DF}">
-                  <a14:hiddenLine xmlns="" xmlns:a14="http://schemas.microsoft.com/office/drawing/2010/main" w="9525">
+                  <a14:hiddenLine xmlns:a14="http://schemas.microsoft.com/office/drawing/2010/main" xmlns="" w="9525">
                     <a:solidFill>
                       <a:srgbClr val="000000"/>
                     </a:solidFill>
@@ -10267,7 +10267,7 @@
               </a:ln>
               <a:extLst>
                 <a:ext uri="{91240B29-F687-4f45-9708-019B960494DF}">
-                  <a14:hiddenLine xmlns="" xmlns:a14="http://schemas.microsoft.com/office/drawing/2010/main" w="9525">
+                  <a14:hiddenLine xmlns:a14="http://schemas.microsoft.com/office/drawing/2010/main" xmlns="" w="9525">
                     <a:solidFill>
                       <a:srgbClr val="000000"/>
                     </a:solidFill>
@@ -10357,7 +10357,7 @@
               </a:ln>
               <a:extLst>
                 <a:ext uri="{91240B29-F687-4f45-9708-019B960494DF}">
-                  <a14:hiddenLine xmlns="" xmlns:a14="http://schemas.microsoft.com/office/drawing/2010/main" w="9525">
+                  <a14:hiddenLine xmlns:a14="http://schemas.microsoft.com/office/drawing/2010/main" xmlns="" w="9525">
                     <a:solidFill>
                       <a:srgbClr val="000000"/>
                     </a:solidFill>
@@ -10419,7 +10419,7 @@
               </a:ln>
               <a:extLst>
                 <a:ext uri="{91240B29-F687-4f45-9708-019B960494DF}">
-                  <a14:hiddenLine xmlns="" xmlns:a14="http://schemas.microsoft.com/office/drawing/2010/main" w="9525">
+                  <a14:hiddenLine xmlns:a14="http://schemas.microsoft.com/office/drawing/2010/main" xmlns="" w="9525">
                     <a:solidFill>
                       <a:srgbClr val="000000"/>
                     </a:solidFill>
@@ -10509,7 +10509,7 @@
               </a:ln>
               <a:extLst>
                 <a:ext uri="{91240B29-F687-4f45-9708-019B960494DF}">
-                  <a14:hiddenLine xmlns="" xmlns:a14="http://schemas.microsoft.com/office/drawing/2010/main" w="9525">
+                  <a14:hiddenLine xmlns:a14="http://schemas.microsoft.com/office/drawing/2010/main" xmlns="" w="9525">
                     <a:solidFill>
                       <a:srgbClr val="000000"/>
                     </a:solidFill>
@@ -10574,7 +10574,7 @@
               </a:ln>
               <a:extLst>
                 <a:ext uri="{91240B29-F687-4f45-9708-019B960494DF}">
-                  <a14:hiddenLine xmlns="" xmlns:a14="http://schemas.microsoft.com/office/drawing/2010/main" w="9525">
+                  <a14:hiddenLine xmlns:a14="http://schemas.microsoft.com/office/drawing/2010/main" xmlns="" w="9525">
                     <a:solidFill>
                       <a:srgbClr val="000000"/>
                     </a:solidFill>
@@ -10636,7 +10636,7 @@
               </a:ln>
               <a:extLst>
                 <a:ext uri="{91240B29-F687-4f45-9708-019B960494DF}">
-                  <a14:hiddenLine xmlns="" xmlns:a14="http://schemas.microsoft.com/office/drawing/2010/main" w="9525">
+                  <a14:hiddenLine xmlns:a14="http://schemas.microsoft.com/office/drawing/2010/main" xmlns="" w="9525">
                     <a:solidFill>
                       <a:srgbClr val="000000"/>
                     </a:solidFill>
@@ -10726,7 +10726,7 @@
               </a:ln>
               <a:extLst>
                 <a:ext uri="{91240B29-F687-4f45-9708-019B960494DF}">
-                  <a14:hiddenLine xmlns="" xmlns:a14="http://schemas.microsoft.com/office/drawing/2010/main" w="9525">
+                  <a14:hiddenLine xmlns:a14="http://schemas.microsoft.com/office/drawing/2010/main" xmlns="" w="9525">
                     <a:solidFill>
                       <a:srgbClr val="000000"/>
                     </a:solidFill>
@@ -10816,7 +10816,7 @@
               </a:ln>
               <a:extLst>
                 <a:ext uri="{91240B29-F687-4f45-9708-019B960494DF}">
-                  <a14:hiddenLine xmlns="" xmlns:a14="http://schemas.microsoft.com/office/drawing/2010/main" w="9525">
+                  <a14:hiddenLine xmlns:a14="http://schemas.microsoft.com/office/drawing/2010/main" xmlns="" w="9525">
                     <a:solidFill>
                       <a:srgbClr val="000000"/>
                     </a:solidFill>
@@ -10881,7 +10881,7 @@
               </a:ln>
               <a:extLst>
                 <a:ext uri="{91240B29-F687-4f45-9708-019B960494DF}">
-                  <a14:hiddenLine xmlns="" xmlns:a14="http://schemas.microsoft.com/office/drawing/2010/main" w="9525">
+                  <a14:hiddenLine xmlns:a14="http://schemas.microsoft.com/office/drawing/2010/main" xmlns="" w="9525">
                     <a:solidFill>
                       <a:srgbClr val="000000"/>
                     </a:solidFill>
@@ -11001,7 +11001,7 @@
               </a:ln>
               <a:extLst>
                 <a:ext uri="{91240B29-F687-4f45-9708-019B960494DF}">
-                  <a14:hiddenLine xmlns="" xmlns:a14="http://schemas.microsoft.com/office/drawing/2010/main" w="9525">
+                  <a14:hiddenLine xmlns:a14="http://schemas.microsoft.com/office/drawing/2010/main" xmlns="" w="9525">
                     <a:solidFill>
                       <a:srgbClr val="000000"/>
                     </a:solidFill>
@@ -11099,7 +11099,7 @@
               </a:ln>
               <a:extLst>
                 <a:ext uri="{91240B29-F687-4f45-9708-019B960494DF}">
-                  <a14:hiddenLine xmlns="" xmlns:a14="http://schemas.microsoft.com/office/drawing/2010/main" w="9525">
+                  <a14:hiddenLine xmlns:a14="http://schemas.microsoft.com/office/drawing/2010/main" xmlns="" w="9525">
                     <a:solidFill>
                       <a:srgbClr val="000000"/>
                     </a:solidFill>
@@ -11214,7 +11214,7 @@
               </a:ln>
               <a:extLst>
                 <a:ext uri="{91240B29-F687-4f45-9708-019B960494DF}">
-                  <a14:hiddenLine xmlns="" xmlns:a14="http://schemas.microsoft.com/office/drawing/2010/main" w="9525">
+                  <a14:hiddenLine xmlns:a14="http://schemas.microsoft.com/office/drawing/2010/main" xmlns="" w="9525">
                     <a:solidFill>
                       <a:srgbClr val="000000"/>
                     </a:solidFill>
@@ -11304,7 +11304,7 @@
               </a:ln>
               <a:extLst>
                 <a:ext uri="{91240B29-F687-4f45-9708-019B960494DF}">
-                  <a14:hiddenLine xmlns="" xmlns:a14="http://schemas.microsoft.com/office/drawing/2010/main" w="9525">
+                  <a14:hiddenLine xmlns:a14="http://schemas.microsoft.com/office/drawing/2010/main" xmlns="" w="9525">
                     <a:solidFill>
                       <a:srgbClr val="000000"/>
                     </a:solidFill>
@@ -11369,7 +11369,7 @@
               </a:ln>
               <a:extLst>
                 <a:ext uri="{91240B29-F687-4f45-9708-019B960494DF}">
-                  <a14:hiddenLine xmlns="" xmlns:a14="http://schemas.microsoft.com/office/drawing/2010/main" w="9525">
+                  <a14:hiddenLine xmlns:a14="http://schemas.microsoft.com/office/drawing/2010/main" xmlns="" w="9525">
                     <a:solidFill>
                       <a:srgbClr val="000000"/>
                     </a:solidFill>
@@ -11459,7 +11459,7 @@
               </a:ln>
               <a:extLst>
                 <a:ext uri="{91240B29-F687-4f45-9708-019B960494DF}">
-                  <a14:hiddenLine xmlns="" xmlns:a14="http://schemas.microsoft.com/office/drawing/2010/main" w="9525">
+                  <a14:hiddenLine xmlns:a14="http://schemas.microsoft.com/office/drawing/2010/main" xmlns="" w="9525">
                     <a:solidFill>
                       <a:srgbClr val="000000"/>
                     </a:solidFill>
@@ -11527,7 +11527,7 @@
               </a:ln>
               <a:extLst>
                 <a:ext uri="{91240B29-F687-4f45-9708-019B960494DF}">
-                  <a14:hiddenLine xmlns="" xmlns:a14="http://schemas.microsoft.com/office/drawing/2010/main" w="9525">
+                  <a14:hiddenLine xmlns:a14="http://schemas.microsoft.com/office/drawing/2010/main" xmlns="" w="9525">
                     <a:solidFill>
                       <a:srgbClr val="000000"/>
                     </a:solidFill>
@@ -11617,7 +11617,7 @@
               </a:ln>
               <a:extLst>
                 <a:ext uri="{91240B29-F687-4f45-9708-019B960494DF}">
-                  <a14:hiddenLine xmlns="" xmlns:a14="http://schemas.microsoft.com/office/drawing/2010/main" w="9525">
+                  <a14:hiddenLine xmlns:a14="http://schemas.microsoft.com/office/drawing/2010/main" xmlns="" w="9525">
                     <a:solidFill>
                       <a:srgbClr val="000000"/>
                     </a:solidFill>
@@ -11685,7 +11685,7 @@
               </a:ln>
               <a:extLst>
                 <a:ext uri="{91240B29-F687-4f45-9708-019B960494DF}">
-                  <a14:hiddenLine xmlns="" xmlns:a14="http://schemas.microsoft.com/office/drawing/2010/main" w="9525">
+                  <a14:hiddenLine xmlns:a14="http://schemas.microsoft.com/office/drawing/2010/main" xmlns="" w="9525">
                     <a:solidFill>
                       <a:srgbClr val="000000"/>
                     </a:solidFill>
@@ -11775,7 +11775,7 @@
               </a:ln>
               <a:extLst>
                 <a:ext uri="{91240B29-F687-4f45-9708-019B960494DF}">
-                  <a14:hiddenLine xmlns="" xmlns:a14="http://schemas.microsoft.com/office/drawing/2010/main" w="9525">
+                  <a14:hiddenLine xmlns:a14="http://schemas.microsoft.com/office/drawing/2010/main" xmlns="" w="9525">
                     <a:solidFill>
                       <a:srgbClr val="000000"/>
                     </a:solidFill>
@@ -11809,7 +11809,7 @@
               </a:ln>
               <a:extLst>
                 <a:ext uri="{91240B29-F687-4f45-9708-019B960494DF}">
-                  <a14:hiddenLine xmlns="" xmlns:a14="http://schemas.microsoft.com/office/drawing/2010/main" w="9525">
+                  <a14:hiddenLine xmlns:a14="http://schemas.microsoft.com/office/drawing/2010/main" xmlns="" w="9525">
                     <a:solidFill>
                       <a:srgbClr val="000000"/>
                     </a:solidFill>
@@ -11950,7 +11950,7 @@
             <a:fld id="{48A87A34-81AB-432B-8DAE-1953F412C126}" type="datetimeFigureOut">
               <a:rPr lang="en-US" dirty="0"/>
               <a:pPr/>
-              <a:t>05.05.2019</a:t>
+              <a:t>06.05.2019</a:t>
             </a:fld>
             <a:endParaRPr lang="en-US" dirty="0"/>
           </a:p>
@@ -14134,8 +14134,8 @@
         </p:blipFill>
         <p:spPr>
           <a:xfrm>
-            <a:off x="4181474" y="318314"/>
-            <a:ext cx="1524381" cy="1143286"/>
+            <a:off x="8522563" y="384690"/>
+            <a:ext cx="2492139" cy="1869105"/>
           </a:xfrm>
           <a:prstGeom prst="rect">
             <a:avLst/>
@@ -14937,8 +14937,8 @@
         </p:blipFill>
         <p:spPr>
           <a:xfrm>
-            <a:off x="7839076" y="3152775"/>
-            <a:ext cx="2566943" cy="3705225"/>
+            <a:off x="7839076" y="2873067"/>
+            <a:ext cx="2760722" cy="3984933"/>
           </a:xfrm>
           <a:prstGeom prst="rect">
             <a:avLst/>
